--- a/figures/m@h/M@H_figures.pptx
+++ b/figures/m@h/M@H_figures.pptx
@@ -4047,10 +4047,10 @@
       </p:pic>
       <p:pic>
         <p:nvPicPr>
-          <p:cNvPr id="7" name="Picture 6">
-            <a:extLst>
-              <a:ext uri="{FF2B5EF4-FFF2-40B4-BE49-F238E27FC236}">
-                <a16:creationId xmlns:a16="http://schemas.microsoft.com/office/drawing/2014/main" id="{36790658-0BA4-6E17-E8AD-F895D62C622E}"/>
+          <p:cNvPr id="9" name="Picture 8">
+            <a:extLst>
+              <a:ext uri="{FF2B5EF4-FFF2-40B4-BE49-F238E27FC236}">
+                <a16:creationId xmlns:a16="http://schemas.microsoft.com/office/drawing/2014/main" id="{9CB25F20-64F1-3903-6361-52331F78C291}"/>
               </a:ext>
             </a:extLst>
           </p:cNvPr>
@@ -4067,8 +4067,8 @@
         </p:blipFill>
         <p:spPr>
           <a:xfrm>
-            <a:off x="7075146" y="2256247"/>
-            <a:ext cx="4557411" cy="2804560"/>
+            <a:off x="6863787" y="1685422"/>
+            <a:ext cx="5166167" cy="3179180"/>
           </a:xfrm>
           <a:prstGeom prst="rect">
             <a:avLst/>
@@ -4140,39 +4140,10 @@
       </p:sp>
       <p:pic>
         <p:nvPicPr>
-          <p:cNvPr id="5" name="Content Placeholder 4">
-            <a:extLst>
-              <a:ext uri="{FF2B5EF4-FFF2-40B4-BE49-F238E27FC236}">
-                <a16:creationId xmlns:a16="http://schemas.microsoft.com/office/drawing/2014/main" id="{D19B4407-C559-723C-7B83-68EEB2A61011}"/>
-              </a:ext>
-            </a:extLst>
-          </p:cNvPr>
-          <p:cNvPicPr>
-            <a:picLocks noGrp="1" noChangeAspect="1"/>
-          </p:cNvPicPr>
-          <p:nvPr>
-            <p:ph idx="1"/>
-          </p:nvPr>
-        </p:nvPicPr>
-        <p:blipFill>
-          <a:blip r:embed="rId2"/>
-          <a:stretch>
-            <a:fillRect/>
-          </a:stretch>
-        </p:blipFill>
-        <p:spPr>
-          <a:xfrm>
-            <a:off x="7919145" y="4743091"/>
-            <a:ext cx="3436728" cy="2114909"/>
-          </a:xfrm>
-        </p:spPr>
-      </p:pic>
-      <p:pic>
-        <p:nvPicPr>
-          <p:cNvPr id="7" name="Picture 6">
-            <a:extLst>
-              <a:ext uri="{FF2B5EF4-FFF2-40B4-BE49-F238E27FC236}">
-                <a16:creationId xmlns:a16="http://schemas.microsoft.com/office/drawing/2014/main" id="{40F5049F-A722-6042-7CE9-7B10A8C3FE3B}"/>
+          <p:cNvPr id="15" name="Picture 14">
+            <a:extLst>
+              <a:ext uri="{FF2B5EF4-FFF2-40B4-BE49-F238E27FC236}">
+                <a16:creationId xmlns:a16="http://schemas.microsoft.com/office/drawing/2014/main" id="{615AB49D-92DA-EBC1-9443-B6EA30F8CCDD}"/>
               </a:ext>
             </a:extLst>
           </p:cNvPr>
@@ -4180,6 +4151,37 @@
             <a:picLocks noChangeAspect="1"/>
           </p:cNvPicPr>
           <p:nvPr/>
+        </p:nvPicPr>
+        <p:blipFill rotWithShape="1">
+          <a:blip r:embed="rId2"/>
+          <a:srcRect t="15958" r="9341" b="10443"/>
+          <a:stretch/>
+        </p:blipFill>
+        <p:spPr>
+          <a:xfrm>
+            <a:off x="836127" y="1527859"/>
+            <a:ext cx="5802906" cy="4710896"/>
+          </a:xfrm>
+          <a:prstGeom prst="rect">
+            <a:avLst/>
+          </a:prstGeom>
+        </p:spPr>
+      </p:pic>
+      <p:pic>
+        <p:nvPicPr>
+          <p:cNvPr id="19" name="Content Placeholder 18">
+            <a:extLst>
+              <a:ext uri="{FF2B5EF4-FFF2-40B4-BE49-F238E27FC236}">
+                <a16:creationId xmlns:a16="http://schemas.microsoft.com/office/drawing/2014/main" id="{E9B79A31-2EA5-99FC-9219-E764BD32FABD}"/>
+              </a:ext>
+            </a:extLst>
+          </p:cNvPr>
+          <p:cNvPicPr>
+            <a:picLocks noGrp="1" noChangeAspect="1"/>
+          </p:cNvPicPr>
+          <p:nvPr>
+            <p:ph idx="1"/>
+          </p:nvPr>
         </p:nvPicPr>
         <p:blipFill>
           <a:blip r:embed="rId3"/>
@@ -4189,20 +4191,17 @@
         </p:blipFill>
         <p:spPr>
           <a:xfrm>
-            <a:off x="7828089" y="2478396"/>
-            <a:ext cx="3618839" cy="2226978"/>
-          </a:xfrm>
-          <a:prstGeom prst="rect">
-            <a:avLst/>
-          </a:prstGeom>
+            <a:off x="8124309" y="4557735"/>
+            <a:ext cx="3737931" cy="2300265"/>
+          </a:xfrm>
         </p:spPr>
       </p:pic>
       <p:pic>
         <p:nvPicPr>
-          <p:cNvPr id="9" name="Picture 8">
-            <a:extLst>
-              <a:ext uri="{FF2B5EF4-FFF2-40B4-BE49-F238E27FC236}">
-                <a16:creationId xmlns:a16="http://schemas.microsoft.com/office/drawing/2014/main" id="{994442CD-551F-7786-2264-00FA340D5E60}"/>
+          <p:cNvPr id="21" name="Picture 20">
+            <a:extLst>
+              <a:ext uri="{FF2B5EF4-FFF2-40B4-BE49-F238E27FC236}">
+                <a16:creationId xmlns:a16="http://schemas.microsoft.com/office/drawing/2014/main" id="{B6211824-1A99-BA8C-AC97-8107147A7914}"/>
               </a:ext>
             </a:extLst>
           </p:cNvPr>
@@ -4219,8 +4218,8 @@
         </p:blipFill>
         <p:spPr>
           <a:xfrm>
-            <a:off x="7765545" y="136725"/>
-            <a:ext cx="3743926" cy="2303954"/>
+            <a:off x="8060647" y="2257468"/>
+            <a:ext cx="3737932" cy="2300266"/>
           </a:xfrm>
           <a:prstGeom prst="rect">
             <a:avLst/>
@@ -4229,10 +4228,10 @@
       </p:pic>
       <p:pic>
         <p:nvPicPr>
-          <p:cNvPr id="15" name="Picture 14">
-            <a:extLst>
-              <a:ext uri="{FF2B5EF4-FFF2-40B4-BE49-F238E27FC236}">
-                <a16:creationId xmlns:a16="http://schemas.microsoft.com/office/drawing/2014/main" id="{615AB49D-92DA-EBC1-9443-B6EA30F8CCDD}"/>
+          <p:cNvPr id="23" name="Picture 22">
+            <a:extLst>
+              <a:ext uri="{FF2B5EF4-FFF2-40B4-BE49-F238E27FC236}">
+                <a16:creationId xmlns:a16="http://schemas.microsoft.com/office/drawing/2014/main" id="{C4C3B2E9-7010-CF9E-12E5-8A470B09D844}"/>
               </a:ext>
             </a:extLst>
           </p:cNvPr>
@@ -4241,15 +4240,16 @@
           </p:cNvPicPr>
           <p:nvPr/>
         </p:nvPicPr>
-        <p:blipFill rotWithShape="1">
+        <p:blipFill>
           <a:blip r:embed="rId5"/>
-          <a:srcRect t="15958" r="9341" b="10443"/>
-          <a:stretch/>
+          <a:stretch>
+            <a:fillRect/>
+          </a:stretch>
         </p:blipFill>
         <p:spPr>
           <a:xfrm>
-            <a:off x="836127" y="1527859"/>
-            <a:ext cx="5802906" cy="4710896"/>
+            <a:off x="8060647" y="1"/>
+            <a:ext cx="3737932" cy="2300266"/>
           </a:xfrm>
           <a:prstGeom prst="rect">
             <a:avLst/>
@@ -4321,10 +4321,10 @@
       </p:sp>
       <p:pic>
         <p:nvPicPr>
-          <p:cNvPr id="7" name="Picture 6">
-            <a:extLst>
-              <a:ext uri="{FF2B5EF4-FFF2-40B4-BE49-F238E27FC236}">
-                <a16:creationId xmlns:a16="http://schemas.microsoft.com/office/drawing/2014/main" id="{71F165AE-E777-F0BE-E47C-B2D2D3829CD2}"/>
+          <p:cNvPr id="13" name="Picture 12">
+            <a:extLst>
+              <a:ext uri="{FF2B5EF4-FFF2-40B4-BE49-F238E27FC236}">
+                <a16:creationId xmlns:a16="http://schemas.microsoft.com/office/drawing/2014/main" id="{7EAD0097-E3B8-C104-28EC-046C967E0670}"/>
               </a:ext>
             </a:extLst>
           </p:cNvPr>
@@ -4333,16 +4333,15 @@
           </p:cNvPicPr>
           <p:nvPr/>
         </p:nvPicPr>
-        <p:blipFill>
+        <p:blipFill rotWithShape="1">
           <a:blip r:embed="rId2"/>
-          <a:stretch>
-            <a:fillRect/>
-          </a:stretch>
+          <a:srcRect t="16185" r="9036" b="10036"/>
+          <a:stretch/>
         </p:blipFill>
         <p:spPr>
           <a:xfrm>
-            <a:off x="6435366" y="256769"/>
-            <a:ext cx="4958366" cy="3051302"/>
+            <a:off x="273549" y="1539433"/>
+            <a:ext cx="5822451" cy="4722471"/>
           </a:xfrm>
           <a:prstGeom prst="rect">
             <a:avLst/>
@@ -4351,10 +4350,10 @@
       </p:pic>
       <p:pic>
         <p:nvPicPr>
-          <p:cNvPr id="9" name="Picture 8">
-            <a:extLst>
-              <a:ext uri="{FF2B5EF4-FFF2-40B4-BE49-F238E27FC236}">
-                <a16:creationId xmlns:a16="http://schemas.microsoft.com/office/drawing/2014/main" id="{BC505EBA-2315-989B-E244-9F67DAE1BC40}"/>
+          <p:cNvPr id="15" name="Picture 14">
+            <a:extLst>
+              <a:ext uri="{FF2B5EF4-FFF2-40B4-BE49-F238E27FC236}">
+                <a16:creationId xmlns:a16="http://schemas.microsoft.com/office/drawing/2014/main" id="{01E49377-4622-23FB-556F-59748387B238}"/>
               </a:ext>
             </a:extLst>
           </p:cNvPr>
@@ -4371,8 +4370,8 @@
         </p:blipFill>
         <p:spPr>
           <a:xfrm>
-            <a:off x="6435366" y="3549929"/>
-            <a:ext cx="5149547" cy="3168952"/>
+            <a:off x="7232791" y="494114"/>
+            <a:ext cx="4769191" cy="2934886"/>
           </a:xfrm>
           <a:prstGeom prst="rect">
             <a:avLst/>
@@ -4381,10 +4380,10 @@
       </p:pic>
       <p:pic>
         <p:nvPicPr>
-          <p:cNvPr id="13" name="Picture 12">
-            <a:extLst>
-              <a:ext uri="{FF2B5EF4-FFF2-40B4-BE49-F238E27FC236}">
-                <a16:creationId xmlns:a16="http://schemas.microsoft.com/office/drawing/2014/main" id="{7EAD0097-E3B8-C104-28EC-046C967E0670}"/>
+          <p:cNvPr id="17" name="Picture 16">
+            <a:extLst>
+              <a:ext uri="{FF2B5EF4-FFF2-40B4-BE49-F238E27FC236}">
+                <a16:creationId xmlns:a16="http://schemas.microsoft.com/office/drawing/2014/main" id="{542B948C-F8D4-03C2-EAC9-76336A0BFEA3}"/>
               </a:ext>
             </a:extLst>
           </p:cNvPr>
@@ -4393,15 +4392,16 @@
           </p:cNvPicPr>
           <p:nvPr/>
         </p:nvPicPr>
-        <p:blipFill rotWithShape="1">
+        <p:blipFill>
           <a:blip r:embed="rId4"/>
-          <a:srcRect t="16185" r="9036" b="10036"/>
-          <a:stretch/>
+          <a:stretch>
+            <a:fillRect/>
+          </a:stretch>
         </p:blipFill>
         <p:spPr>
           <a:xfrm>
-            <a:off x="273549" y="1539433"/>
-            <a:ext cx="5822451" cy="4722471"/>
+            <a:off x="7232791" y="3633745"/>
+            <a:ext cx="4769191" cy="2934887"/>
           </a:xfrm>
           <a:prstGeom prst="rect">
             <a:avLst/>
@@ -4454,7 +4454,7 @@
         </p:nvSpPr>
         <p:spPr>
           <a:xfrm>
-            <a:off x="190018" y="18255"/>
+            <a:off x="190018" y="190722"/>
             <a:ext cx="10515600" cy="1325563"/>
           </a:xfrm>
           <a:prstGeom prst="rect">
@@ -4523,10 +4523,10 @@
       </p:pic>
       <p:pic>
         <p:nvPicPr>
-          <p:cNvPr id="8" name="Picture 7">
-            <a:extLst>
-              <a:ext uri="{FF2B5EF4-FFF2-40B4-BE49-F238E27FC236}">
-                <a16:creationId xmlns:a16="http://schemas.microsoft.com/office/drawing/2014/main" id="{6FF1614F-7844-D25E-1949-086F96E0C183}"/>
+          <p:cNvPr id="16" name="Picture 15">
+            <a:extLst>
+              <a:ext uri="{FF2B5EF4-FFF2-40B4-BE49-F238E27FC236}">
+                <a16:creationId xmlns:a16="http://schemas.microsoft.com/office/drawing/2014/main" id="{D2AE8901-8288-35B6-190A-F677D6971B56}"/>
               </a:ext>
             </a:extLst>
           </p:cNvPr>
@@ -4543,8 +4543,8 @@
         </p:blipFill>
         <p:spPr>
           <a:xfrm>
-            <a:off x="7148816" y="831524"/>
-            <a:ext cx="4745620" cy="2920381"/>
+            <a:off x="7143630" y="439245"/>
+            <a:ext cx="4858352" cy="2989755"/>
           </a:xfrm>
           <a:prstGeom prst="rect">
             <a:avLst/>
@@ -4553,10 +4553,10 @@
       </p:pic>
       <p:pic>
         <p:nvPicPr>
-          <p:cNvPr id="14" name="Picture 13">
-            <a:extLst>
-              <a:ext uri="{FF2B5EF4-FFF2-40B4-BE49-F238E27FC236}">
-                <a16:creationId xmlns:a16="http://schemas.microsoft.com/office/drawing/2014/main" id="{4FC190CD-96C0-AC0E-E843-07FF65F74B03}"/>
+          <p:cNvPr id="18" name="Picture 17">
+            <a:extLst>
+              <a:ext uri="{FF2B5EF4-FFF2-40B4-BE49-F238E27FC236}">
+                <a16:creationId xmlns:a16="http://schemas.microsoft.com/office/drawing/2014/main" id="{D88A7D0F-815E-3277-2372-94835826C981}"/>
               </a:ext>
             </a:extLst>
           </p:cNvPr>
@@ -4573,8 +4573,8 @@
         </p:blipFill>
         <p:spPr>
           <a:xfrm>
-            <a:off x="7148816" y="3843427"/>
-            <a:ext cx="4745621" cy="2920382"/>
+            <a:off x="7143630" y="3628326"/>
+            <a:ext cx="4858353" cy="2989755"/>
           </a:xfrm>
           <a:prstGeom prst="rect">
             <a:avLst/>

--- a/figures/m@h/M@H_figures.pptx
+++ b/figures/m@h/M@H_figures.pptx
@@ -13,6 +13,17 @@
     <p:sldId id="260" r:id="rId7"/>
     <p:sldId id="261" r:id="rId8"/>
     <p:sldId id="262" r:id="rId9"/>
+    <p:sldId id="265" r:id="rId10"/>
+    <p:sldId id="264" r:id="rId11"/>
+    <p:sldId id="266" r:id="rId12"/>
+    <p:sldId id="267" r:id="rId13"/>
+    <p:sldId id="268" r:id="rId14"/>
+    <p:sldId id="270" r:id="rId15"/>
+    <p:sldId id="269" r:id="rId16"/>
+    <p:sldId id="271" r:id="rId17"/>
+    <p:sldId id="272" r:id="rId18"/>
+    <p:sldId id="273" r:id="rId19"/>
+    <p:sldId id="274" r:id="rId20"/>
   </p:sldIdLst>
   <p:sldSz cx="12192000" cy="6858000"/>
   <p:notesSz cx="6858000" cy="9144000"/>
@@ -111,6 +122,11 @@
       </a:defRPr>
     </a:lvl9pPr>
   </p:defaultTextStyle>
+  <p:extLst>
+    <p:ext uri="{EFAFB233-063F-42B5-8137-9DF3F51BA10A}">
+      <p15:sldGuideLst xmlns:p15="http://schemas.microsoft.com/office/powerpoint/2012/main"/>
+    </p:ext>
+  </p:extLst>
 </p:presentation>
 </file>
 
@@ -261,7 +277,7 @@
           <a:p>
             <a:fld id="{99ADB49C-B8EC-9144-ADC9-D16B08679F50}" type="datetimeFigureOut">
               <a:rPr lang="en-US" smtClean="0"/>
-              <a:t>9/19/23</a:t>
+              <a:t>10/2/23</a:t>
             </a:fld>
             <a:endParaRPr lang="en-US"/>
           </a:p>
@@ -459,7 +475,7 @@
           <a:p>
             <a:fld id="{99ADB49C-B8EC-9144-ADC9-D16B08679F50}" type="datetimeFigureOut">
               <a:rPr lang="en-US" smtClean="0"/>
-              <a:t>9/19/23</a:t>
+              <a:t>10/2/23</a:t>
             </a:fld>
             <a:endParaRPr lang="en-US"/>
           </a:p>
@@ -667,7 +683,7 @@
           <a:p>
             <a:fld id="{99ADB49C-B8EC-9144-ADC9-D16B08679F50}" type="datetimeFigureOut">
               <a:rPr lang="en-US" smtClean="0"/>
-              <a:t>9/19/23</a:t>
+              <a:t>10/2/23</a:t>
             </a:fld>
             <a:endParaRPr lang="en-US"/>
           </a:p>
@@ -865,7 +881,7 @@
           <a:p>
             <a:fld id="{99ADB49C-B8EC-9144-ADC9-D16B08679F50}" type="datetimeFigureOut">
               <a:rPr lang="en-US" smtClean="0"/>
-              <a:t>9/19/23</a:t>
+              <a:t>10/2/23</a:t>
             </a:fld>
             <a:endParaRPr lang="en-US"/>
           </a:p>
@@ -1140,7 +1156,7 @@
           <a:p>
             <a:fld id="{99ADB49C-B8EC-9144-ADC9-D16B08679F50}" type="datetimeFigureOut">
               <a:rPr lang="en-US" smtClean="0"/>
-              <a:t>9/19/23</a:t>
+              <a:t>10/2/23</a:t>
             </a:fld>
             <a:endParaRPr lang="en-US"/>
           </a:p>
@@ -1405,7 +1421,7 @@
           <a:p>
             <a:fld id="{99ADB49C-B8EC-9144-ADC9-D16B08679F50}" type="datetimeFigureOut">
               <a:rPr lang="en-US" smtClean="0"/>
-              <a:t>9/19/23</a:t>
+              <a:t>10/2/23</a:t>
             </a:fld>
             <a:endParaRPr lang="en-US"/>
           </a:p>
@@ -1817,7 +1833,7 @@
           <a:p>
             <a:fld id="{99ADB49C-B8EC-9144-ADC9-D16B08679F50}" type="datetimeFigureOut">
               <a:rPr lang="en-US" smtClean="0"/>
-              <a:t>9/19/23</a:t>
+              <a:t>10/2/23</a:t>
             </a:fld>
             <a:endParaRPr lang="en-US"/>
           </a:p>
@@ -1958,7 +1974,7 @@
           <a:p>
             <a:fld id="{99ADB49C-B8EC-9144-ADC9-D16B08679F50}" type="datetimeFigureOut">
               <a:rPr lang="en-US" smtClean="0"/>
-              <a:t>9/19/23</a:t>
+              <a:t>10/2/23</a:t>
             </a:fld>
             <a:endParaRPr lang="en-US"/>
           </a:p>
@@ -2071,7 +2087,7 @@
           <a:p>
             <a:fld id="{99ADB49C-B8EC-9144-ADC9-D16B08679F50}" type="datetimeFigureOut">
               <a:rPr lang="en-US" smtClean="0"/>
-              <a:t>9/19/23</a:t>
+              <a:t>10/2/23</a:t>
             </a:fld>
             <a:endParaRPr lang="en-US"/>
           </a:p>
@@ -2382,7 +2398,7 @@
           <a:p>
             <a:fld id="{99ADB49C-B8EC-9144-ADC9-D16B08679F50}" type="datetimeFigureOut">
               <a:rPr lang="en-US" smtClean="0"/>
-              <a:t>9/19/23</a:t>
+              <a:t>10/2/23</a:t>
             </a:fld>
             <a:endParaRPr lang="en-US"/>
           </a:p>
@@ -2670,7 +2686,7 @@
           <a:p>
             <a:fld id="{99ADB49C-B8EC-9144-ADC9-D16B08679F50}" type="datetimeFigureOut">
               <a:rPr lang="en-US" smtClean="0"/>
-              <a:t>9/19/23</a:t>
+              <a:t>10/2/23</a:t>
             </a:fld>
             <a:endParaRPr lang="en-US"/>
           </a:p>
@@ -2911,7 +2927,7 @@
           <a:p>
             <a:fld id="{99ADB49C-B8EC-9144-ADC9-D16B08679F50}" type="datetimeFigureOut">
               <a:rPr lang="en-US" smtClean="0"/>
-              <a:t>9/19/23</a:t>
+              <a:t>10/2/23</a:t>
             </a:fld>
             <a:endParaRPr lang="en-US"/>
           </a:p>
@@ -3394,6 +3410,1854 @@
 </p:sld>
 </file>
 
+<file path=ppt/slides/slide10.xml><?xml version="1.0" encoding="utf-8"?>
+<p:sld xmlns:a="http://schemas.openxmlformats.org/drawingml/2006/main" xmlns:r="http://schemas.openxmlformats.org/officeDocument/2006/relationships" xmlns:p="http://schemas.openxmlformats.org/presentationml/2006/main">
+  <p:cSld>
+    <p:spTree>
+      <p:nvGrpSpPr>
+        <p:cNvPr id="1" name=""/>
+        <p:cNvGrpSpPr/>
+        <p:nvPr/>
+      </p:nvGrpSpPr>
+      <p:grpSpPr>
+        <a:xfrm>
+          <a:off x="0" y="0"/>
+          <a:ext cx="0" cy="0"/>
+          <a:chOff x="0" y="0"/>
+          <a:chExt cx="0" cy="0"/>
+        </a:xfrm>
+      </p:grpSpPr>
+      <p:sp>
+        <p:nvSpPr>
+          <p:cNvPr id="2" name="Title 1">
+            <a:extLst>
+              <a:ext uri="{FF2B5EF4-FFF2-40B4-BE49-F238E27FC236}">
+                <a16:creationId xmlns:a16="http://schemas.microsoft.com/office/drawing/2014/main" id="{F8615144-C480-117E-DC69-39FF35C373D2}"/>
+              </a:ext>
+            </a:extLst>
+          </p:cNvPr>
+          <p:cNvSpPr>
+            <a:spLocks noGrp="1"/>
+          </p:cNvSpPr>
+          <p:nvPr>
+            <p:ph type="title"/>
+          </p:nvPr>
+        </p:nvSpPr>
+        <p:spPr/>
+        <p:txBody>
+          <a:bodyPr/>
+          <a:lstStyle/>
+          <a:p>
+            <a:r>
+              <a:rPr lang="en-US" dirty="0"/>
+              <a:t>Table 2: </a:t>
+            </a:r>
+            <a:r>
+              <a:rPr lang="en-US" dirty="0" err="1"/>
+              <a:t>GoldMSI</a:t>
+            </a:r>
+            <a:r>
+              <a:rPr lang="en-US" dirty="0"/>
+              <a:t> and M@H-R</a:t>
+            </a:r>
+          </a:p>
+        </p:txBody>
+      </p:sp>
+      <p:pic>
+        <p:nvPicPr>
+          <p:cNvPr id="5" name="Content Placeholder 4">
+            <a:extLst>
+              <a:ext uri="{FF2B5EF4-FFF2-40B4-BE49-F238E27FC236}">
+                <a16:creationId xmlns:a16="http://schemas.microsoft.com/office/drawing/2014/main" id="{40961740-B1FB-B9C9-BAD1-1F653EAF569E}"/>
+              </a:ext>
+            </a:extLst>
+          </p:cNvPr>
+          <p:cNvPicPr>
+            <a:picLocks noGrp="1" noChangeAspect="1"/>
+          </p:cNvPicPr>
+          <p:nvPr>
+            <p:ph idx="1"/>
+          </p:nvPr>
+        </p:nvPicPr>
+        <p:blipFill rotWithShape="1">
+          <a:blip r:embed="rId2"/>
+          <a:srcRect t="7437" b="69587"/>
+          <a:stretch/>
+        </p:blipFill>
+        <p:spPr>
+          <a:xfrm>
+            <a:off x="-230328" y="2564015"/>
+            <a:ext cx="12652656" cy="2244667"/>
+          </a:xfrm>
+        </p:spPr>
+      </p:pic>
+    </p:spTree>
+    <p:extLst>
+      <p:ext uri="{BB962C8B-B14F-4D97-AF65-F5344CB8AC3E}">
+        <p14:creationId xmlns:p14="http://schemas.microsoft.com/office/powerpoint/2010/main" val="2672180907"/>
+      </p:ext>
+    </p:extLst>
+  </p:cSld>
+  <p:clrMapOvr>
+    <a:masterClrMapping/>
+  </p:clrMapOvr>
+</p:sld>
+</file>
+
+<file path=ppt/slides/slide11.xml><?xml version="1.0" encoding="utf-8"?>
+<p:sld xmlns:a="http://schemas.openxmlformats.org/drawingml/2006/main" xmlns:r="http://schemas.openxmlformats.org/officeDocument/2006/relationships" xmlns:p="http://schemas.openxmlformats.org/presentationml/2006/main">
+  <p:cSld>
+    <p:spTree>
+      <p:nvGrpSpPr>
+        <p:cNvPr id="1" name=""/>
+        <p:cNvGrpSpPr/>
+        <p:nvPr/>
+      </p:nvGrpSpPr>
+      <p:grpSpPr>
+        <a:xfrm>
+          <a:off x="0" y="0"/>
+          <a:ext cx="0" cy="0"/>
+          <a:chOff x="0" y="0"/>
+          <a:chExt cx="0" cy="0"/>
+        </a:xfrm>
+      </p:grpSpPr>
+      <p:sp>
+        <p:nvSpPr>
+          <p:cNvPr id="2" name="Title 1">
+            <a:extLst>
+              <a:ext uri="{FF2B5EF4-FFF2-40B4-BE49-F238E27FC236}">
+                <a16:creationId xmlns:a16="http://schemas.microsoft.com/office/drawing/2014/main" id="{CF2D62B3-AF54-8A74-D6B3-32959EE42E8D}"/>
+              </a:ext>
+            </a:extLst>
+          </p:cNvPr>
+          <p:cNvSpPr>
+            <a:spLocks noGrp="1"/>
+          </p:cNvSpPr>
+          <p:nvPr>
+            <p:ph type="title"/>
+          </p:nvPr>
+        </p:nvSpPr>
+        <p:spPr/>
+        <p:txBody>
+          <a:bodyPr/>
+          <a:lstStyle/>
+          <a:p>
+            <a:r>
+              <a:rPr lang="en-US" dirty="0"/>
+              <a:t>Table 3: </a:t>
+            </a:r>
+            <a:r>
+              <a:rPr lang="en-US" dirty="0" err="1"/>
+              <a:t>eBMRQ</a:t>
+            </a:r>
+            <a:r>
+              <a:rPr lang="en-US" dirty="0"/>
+              <a:t> and M@H-R</a:t>
+            </a:r>
+          </a:p>
+        </p:txBody>
+      </p:sp>
+      <p:pic>
+        <p:nvPicPr>
+          <p:cNvPr id="5" name="Content Placeholder 4">
+            <a:extLst>
+              <a:ext uri="{FF2B5EF4-FFF2-40B4-BE49-F238E27FC236}">
+                <a16:creationId xmlns:a16="http://schemas.microsoft.com/office/drawing/2014/main" id="{7CE55F3A-C593-A26C-DAF5-3F2A8DDE2AE0}"/>
+              </a:ext>
+            </a:extLst>
+          </p:cNvPr>
+          <p:cNvPicPr>
+            <a:picLocks noGrp="1" noChangeAspect="1"/>
+          </p:cNvPicPr>
+          <p:nvPr>
+            <p:ph idx="1"/>
+          </p:nvPr>
+        </p:nvPicPr>
+        <p:blipFill rotWithShape="1">
+          <a:blip r:embed="rId2"/>
+          <a:srcRect l="4766" t="6577" r="5344" b="69537"/>
+          <a:stretch/>
+        </p:blipFill>
+        <p:spPr>
+          <a:xfrm>
+            <a:off x="343839" y="2383973"/>
+            <a:ext cx="11504322" cy="2362200"/>
+          </a:xfrm>
+        </p:spPr>
+      </p:pic>
+    </p:spTree>
+    <p:extLst>
+      <p:ext uri="{BB962C8B-B14F-4D97-AF65-F5344CB8AC3E}">
+        <p14:creationId xmlns:p14="http://schemas.microsoft.com/office/powerpoint/2010/main" val="3696385612"/>
+      </p:ext>
+    </p:extLst>
+  </p:cSld>
+  <p:clrMapOvr>
+    <a:masterClrMapping/>
+  </p:clrMapOvr>
+</p:sld>
+</file>
+
+<file path=ppt/slides/slide12.xml><?xml version="1.0" encoding="utf-8"?>
+<p:sld xmlns:a="http://schemas.openxmlformats.org/drawingml/2006/main" xmlns:r="http://schemas.openxmlformats.org/officeDocument/2006/relationships" xmlns:p="http://schemas.openxmlformats.org/presentationml/2006/main">
+  <p:cSld>
+    <p:spTree>
+      <p:nvGrpSpPr>
+        <p:cNvPr id="1" name=""/>
+        <p:cNvGrpSpPr/>
+        <p:nvPr/>
+      </p:nvGrpSpPr>
+      <p:grpSpPr>
+        <a:xfrm>
+          <a:off x="0" y="0"/>
+          <a:ext cx="0" cy="0"/>
+          <a:chOff x="0" y="0"/>
+          <a:chExt cx="0" cy="0"/>
+        </a:xfrm>
+      </p:grpSpPr>
+      <p:sp>
+        <p:nvSpPr>
+          <p:cNvPr id="2" name="Title 1">
+            <a:extLst>
+              <a:ext uri="{FF2B5EF4-FFF2-40B4-BE49-F238E27FC236}">
+                <a16:creationId xmlns:a16="http://schemas.microsoft.com/office/drawing/2014/main" id="{C59FD0B0-F7F7-3573-82C0-A4F8B0F3D480}"/>
+              </a:ext>
+            </a:extLst>
+          </p:cNvPr>
+          <p:cNvSpPr>
+            <a:spLocks noGrp="1"/>
+          </p:cNvSpPr>
+          <p:nvPr>
+            <p:ph type="title"/>
+          </p:nvPr>
+        </p:nvSpPr>
+        <p:spPr/>
+        <p:txBody>
+          <a:bodyPr/>
+          <a:lstStyle/>
+          <a:p>
+            <a:r>
+              <a:rPr lang="en-US" dirty="0"/>
+              <a:t>Table 4: Adversity and M@H-R</a:t>
+            </a:r>
+          </a:p>
+        </p:txBody>
+      </p:sp>
+      <p:pic>
+        <p:nvPicPr>
+          <p:cNvPr id="9" name="Content Placeholder 8">
+            <a:extLst>
+              <a:ext uri="{FF2B5EF4-FFF2-40B4-BE49-F238E27FC236}">
+                <a16:creationId xmlns:a16="http://schemas.microsoft.com/office/drawing/2014/main" id="{16ABEB5C-AC96-9557-7A22-026966ED8CD6}"/>
+              </a:ext>
+            </a:extLst>
+          </p:cNvPr>
+          <p:cNvPicPr>
+            <a:picLocks noGrp="1" noChangeAspect="1"/>
+          </p:cNvPicPr>
+          <p:nvPr>
+            <p:ph idx="1"/>
+          </p:nvPr>
+        </p:nvPicPr>
+        <p:blipFill rotWithShape="1">
+          <a:blip r:embed="rId2"/>
+          <a:srcRect l="14025" t="7249" r="13894" b="65587"/>
+          <a:stretch/>
+        </p:blipFill>
+        <p:spPr>
+          <a:xfrm>
+            <a:off x="1271098" y="2354339"/>
+            <a:ext cx="9649803" cy="2810106"/>
+          </a:xfrm>
+        </p:spPr>
+      </p:pic>
+    </p:spTree>
+    <p:extLst>
+      <p:ext uri="{BB962C8B-B14F-4D97-AF65-F5344CB8AC3E}">
+        <p14:creationId xmlns:p14="http://schemas.microsoft.com/office/powerpoint/2010/main" val="596874704"/>
+      </p:ext>
+    </p:extLst>
+  </p:cSld>
+  <p:clrMapOvr>
+    <a:masterClrMapping/>
+  </p:clrMapOvr>
+</p:sld>
+</file>
+
+<file path=ppt/slides/slide13.xml><?xml version="1.0" encoding="utf-8"?>
+<p:sld xmlns:a="http://schemas.openxmlformats.org/drawingml/2006/main" xmlns:r="http://schemas.openxmlformats.org/officeDocument/2006/relationships" xmlns:p="http://schemas.openxmlformats.org/presentationml/2006/main">
+  <p:cSld>
+    <p:spTree>
+      <p:nvGrpSpPr>
+        <p:cNvPr id="1" name=""/>
+        <p:cNvGrpSpPr/>
+        <p:nvPr/>
+      </p:nvGrpSpPr>
+      <p:grpSpPr>
+        <a:xfrm>
+          <a:off x="0" y="0"/>
+          <a:ext cx="0" cy="0"/>
+          <a:chOff x="0" y="0"/>
+          <a:chExt cx="0" cy="0"/>
+        </a:xfrm>
+      </p:grpSpPr>
+      <p:sp>
+        <p:nvSpPr>
+          <p:cNvPr id="2" name="Title 1">
+            <a:extLst>
+              <a:ext uri="{FF2B5EF4-FFF2-40B4-BE49-F238E27FC236}">
+                <a16:creationId xmlns:a16="http://schemas.microsoft.com/office/drawing/2014/main" id="{61F0F49D-C227-B701-E337-451F291046F3}"/>
+              </a:ext>
+            </a:extLst>
+          </p:cNvPr>
+          <p:cNvSpPr>
+            <a:spLocks noGrp="1"/>
+          </p:cNvSpPr>
+          <p:nvPr>
+            <p:ph type="title"/>
+          </p:nvPr>
+        </p:nvSpPr>
+        <p:spPr/>
+        <p:txBody>
+          <a:bodyPr/>
+          <a:lstStyle/>
+          <a:p>
+            <a:r>
+              <a:rPr lang="en-US" dirty="0"/>
+              <a:t>Table 6: SRQ and M@H-R</a:t>
+            </a:r>
+          </a:p>
+        </p:txBody>
+      </p:sp>
+      <p:pic>
+        <p:nvPicPr>
+          <p:cNvPr id="5" name="Content Placeholder 4">
+            <a:extLst>
+              <a:ext uri="{FF2B5EF4-FFF2-40B4-BE49-F238E27FC236}">
+                <a16:creationId xmlns:a16="http://schemas.microsoft.com/office/drawing/2014/main" id="{9C58784F-83D1-2A21-D2FA-A8160C9C146B}"/>
+              </a:ext>
+            </a:extLst>
+          </p:cNvPr>
+          <p:cNvPicPr>
+            <a:picLocks noGrp="1" noChangeAspect="1"/>
+          </p:cNvPicPr>
+          <p:nvPr>
+            <p:ph idx="1"/>
+          </p:nvPr>
+        </p:nvPicPr>
+        <p:blipFill rotWithShape="1">
+          <a:blip r:embed="rId2"/>
+          <a:srcRect l="34422" t="6385" r="33497" b="63152"/>
+          <a:stretch/>
+        </p:blipFill>
+        <p:spPr>
+          <a:xfrm>
+            <a:off x="3534936" y="1991925"/>
+            <a:ext cx="5296830" cy="3886681"/>
+          </a:xfrm>
+        </p:spPr>
+      </p:pic>
+    </p:spTree>
+    <p:extLst>
+      <p:ext uri="{BB962C8B-B14F-4D97-AF65-F5344CB8AC3E}">
+        <p14:creationId xmlns:p14="http://schemas.microsoft.com/office/powerpoint/2010/main" val="2149489708"/>
+      </p:ext>
+    </p:extLst>
+  </p:cSld>
+  <p:clrMapOvr>
+    <a:masterClrMapping/>
+  </p:clrMapOvr>
+</p:sld>
+</file>
+
+<file path=ppt/slides/slide14.xml><?xml version="1.0" encoding="utf-8"?>
+<p:sld xmlns:a="http://schemas.openxmlformats.org/drawingml/2006/main" xmlns:r="http://schemas.openxmlformats.org/officeDocument/2006/relationships" xmlns:p="http://schemas.openxmlformats.org/presentationml/2006/main">
+  <p:cSld>
+    <p:spTree>
+      <p:nvGrpSpPr>
+        <p:cNvPr id="1" name=""/>
+        <p:cNvGrpSpPr/>
+        <p:nvPr/>
+      </p:nvGrpSpPr>
+      <p:grpSpPr>
+        <a:xfrm>
+          <a:off x="0" y="0"/>
+          <a:ext cx="0" cy="0"/>
+          <a:chOff x="0" y="0"/>
+          <a:chExt cx="0" cy="0"/>
+        </a:xfrm>
+      </p:grpSpPr>
+      <p:sp>
+        <p:nvSpPr>
+          <p:cNvPr id="2" name="Title 1">
+            <a:extLst>
+              <a:ext uri="{FF2B5EF4-FFF2-40B4-BE49-F238E27FC236}">
+                <a16:creationId xmlns:a16="http://schemas.microsoft.com/office/drawing/2014/main" id="{94386C0C-7762-41D3-2B27-D1874E78A314}"/>
+              </a:ext>
+            </a:extLst>
+          </p:cNvPr>
+          <p:cNvSpPr>
+            <a:spLocks noGrp="1"/>
+          </p:cNvSpPr>
+          <p:nvPr>
+            <p:ph type="title"/>
+          </p:nvPr>
+        </p:nvSpPr>
+        <p:spPr>
+          <a:xfrm>
+            <a:off x="0" y="-410669"/>
+            <a:ext cx="10515600" cy="1325563"/>
+          </a:xfrm>
+        </p:spPr>
+        <p:txBody>
+          <a:bodyPr/>
+          <a:lstStyle/>
+          <a:p>
+            <a:r>
+              <a:rPr lang="en-US" dirty="0"/>
+              <a:t>Figure 2: Social Scatters</a:t>
+            </a:r>
+          </a:p>
+        </p:txBody>
+      </p:sp>
+      <p:pic>
+        <p:nvPicPr>
+          <p:cNvPr id="5" name="Content Placeholder 4">
+            <a:extLst>
+              <a:ext uri="{FF2B5EF4-FFF2-40B4-BE49-F238E27FC236}">
+                <a16:creationId xmlns:a16="http://schemas.microsoft.com/office/drawing/2014/main" id="{A5E55374-2319-AF3B-D9AB-2FD08C3B0739}"/>
+              </a:ext>
+            </a:extLst>
+          </p:cNvPr>
+          <p:cNvPicPr>
+            <a:picLocks noGrp="1" noChangeAspect="1"/>
+          </p:cNvPicPr>
+          <p:nvPr>
+            <p:ph idx="1"/>
+          </p:nvPr>
+        </p:nvPicPr>
+        <p:blipFill>
+          <a:blip r:embed="rId2"/>
+          <a:stretch>
+            <a:fillRect/>
+          </a:stretch>
+        </p:blipFill>
+        <p:spPr>
+          <a:xfrm>
+            <a:off x="6042933" y="870331"/>
+            <a:ext cx="4472667" cy="2752411"/>
+          </a:xfrm>
+        </p:spPr>
+      </p:pic>
+      <p:pic>
+        <p:nvPicPr>
+          <p:cNvPr id="9" name="Picture 8">
+            <a:extLst>
+              <a:ext uri="{FF2B5EF4-FFF2-40B4-BE49-F238E27FC236}">
+                <a16:creationId xmlns:a16="http://schemas.microsoft.com/office/drawing/2014/main" id="{1E3B9F63-23A7-0007-A1C4-CFAF4FFE3879}"/>
+              </a:ext>
+            </a:extLst>
+          </p:cNvPr>
+          <p:cNvPicPr>
+            <a:picLocks noChangeAspect="1"/>
+          </p:cNvPicPr>
+          <p:nvPr/>
+        </p:nvPicPr>
+        <p:blipFill>
+          <a:blip r:embed="rId3"/>
+          <a:stretch>
+            <a:fillRect/>
+          </a:stretch>
+        </p:blipFill>
+        <p:spPr>
+          <a:xfrm>
+            <a:off x="1230766" y="846570"/>
+            <a:ext cx="4472668" cy="2752411"/>
+          </a:xfrm>
+          <a:prstGeom prst="rect">
+            <a:avLst/>
+          </a:prstGeom>
+        </p:spPr>
+      </p:pic>
+      <p:pic>
+        <p:nvPicPr>
+          <p:cNvPr id="21" name="Picture 20">
+            <a:extLst>
+              <a:ext uri="{FF2B5EF4-FFF2-40B4-BE49-F238E27FC236}">
+                <a16:creationId xmlns:a16="http://schemas.microsoft.com/office/drawing/2014/main" id="{B3650C11-EA48-425E-2A02-417D87BBB3B3}"/>
+              </a:ext>
+            </a:extLst>
+          </p:cNvPr>
+          <p:cNvPicPr>
+            <a:picLocks noChangeAspect="1"/>
+          </p:cNvPicPr>
+          <p:nvPr/>
+        </p:nvPicPr>
+        <p:blipFill>
+          <a:blip r:embed="rId4"/>
+          <a:stretch>
+            <a:fillRect/>
+          </a:stretch>
+        </p:blipFill>
+        <p:spPr>
+          <a:xfrm>
+            <a:off x="1230766" y="3980821"/>
+            <a:ext cx="4472558" cy="2752344"/>
+          </a:xfrm>
+          <a:prstGeom prst="rect">
+            <a:avLst/>
+          </a:prstGeom>
+        </p:spPr>
+      </p:pic>
+      <p:pic>
+        <p:nvPicPr>
+          <p:cNvPr id="23" name="Picture 22">
+            <a:extLst>
+              <a:ext uri="{FF2B5EF4-FFF2-40B4-BE49-F238E27FC236}">
+                <a16:creationId xmlns:a16="http://schemas.microsoft.com/office/drawing/2014/main" id="{7C4A6C0E-AC95-AC12-1E12-BAF073A019EB}"/>
+              </a:ext>
+            </a:extLst>
+          </p:cNvPr>
+          <p:cNvPicPr>
+            <a:picLocks noChangeAspect="1"/>
+          </p:cNvPicPr>
+          <p:nvPr/>
+        </p:nvPicPr>
+        <p:blipFill>
+          <a:blip r:embed="rId5"/>
+          <a:stretch>
+            <a:fillRect/>
+          </a:stretch>
+        </p:blipFill>
+        <p:spPr>
+          <a:xfrm>
+            <a:off x="6096000" y="3980821"/>
+            <a:ext cx="4472559" cy="2752344"/>
+          </a:xfrm>
+          <a:prstGeom prst="rect">
+            <a:avLst/>
+          </a:prstGeom>
+        </p:spPr>
+      </p:pic>
+      <p:sp>
+        <p:nvSpPr>
+          <p:cNvPr id="24" name="TextBox 23">
+            <a:extLst>
+              <a:ext uri="{FF2B5EF4-FFF2-40B4-BE49-F238E27FC236}">
+                <a16:creationId xmlns:a16="http://schemas.microsoft.com/office/drawing/2014/main" id="{A4848EAD-898D-2BC7-3B23-CADCB3B883F1}"/>
+              </a:ext>
+            </a:extLst>
+          </p:cNvPr>
+          <p:cNvSpPr txBox="1"/>
+          <p:nvPr/>
+        </p:nvSpPr>
+        <p:spPr>
+          <a:xfrm>
+            <a:off x="326571" y="846570"/>
+            <a:ext cx="457200" cy="369332"/>
+          </a:xfrm>
+          <a:prstGeom prst="rect">
+            <a:avLst/>
+          </a:prstGeom>
+          <a:noFill/>
+        </p:spPr>
+        <p:txBody>
+          <a:bodyPr wrap="square" rtlCol="0">
+            <a:spAutoFit/>
+          </a:bodyPr>
+          <a:lstStyle/>
+          <a:p>
+            <a:r>
+              <a:rPr lang="en-US" dirty="0"/>
+              <a:t>A.</a:t>
+            </a:r>
+          </a:p>
+        </p:txBody>
+      </p:sp>
+      <p:sp>
+        <p:nvSpPr>
+          <p:cNvPr id="25" name="TextBox 24">
+            <a:extLst>
+              <a:ext uri="{FF2B5EF4-FFF2-40B4-BE49-F238E27FC236}">
+                <a16:creationId xmlns:a16="http://schemas.microsoft.com/office/drawing/2014/main" id="{B1C672FA-C91C-0B82-7317-BF8C2F9F90EF}"/>
+              </a:ext>
+            </a:extLst>
+          </p:cNvPr>
+          <p:cNvSpPr txBox="1"/>
+          <p:nvPr/>
+        </p:nvSpPr>
+        <p:spPr>
+          <a:xfrm>
+            <a:off x="5703324" y="846570"/>
+            <a:ext cx="457200" cy="369332"/>
+          </a:xfrm>
+          <a:prstGeom prst="rect">
+            <a:avLst/>
+          </a:prstGeom>
+          <a:noFill/>
+        </p:spPr>
+        <p:txBody>
+          <a:bodyPr wrap="square" rtlCol="0">
+            <a:spAutoFit/>
+          </a:bodyPr>
+          <a:lstStyle/>
+          <a:p>
+            <a:r>
+              <a:rPr lang="en-US" dirty="0"/>
+              <a:t>B.</a:t>
+            </a:r>
+          </a:p>
+        </p:txBody>
+      </p:sp>
+      <p:sp>
+        <p:nvSpPr>
+          <p:cNvPr id="26" name="TextBox 25">
+            <a:extLst>
+              <a:ext uri="{FF2B5EF4-FFF2-40B4-BE49-F238E27FC236}">
+                <a16:creationId xmlns:a16="http://schemas.microsoft.com/office/drawing/2014/main" id="{DB4A40AC-8FF1-CFD5-474B-339DDABF39DE}"/>
+              </a:ext>
+            </a:extLst>
+          </p:cNvPr>
+          <p:cNvSpPr txBox="1"/>
+          <p:nvPr/>
+        </p:nvSpPr>
+        <p:spPr>
+          <a:xfrm>
+            <a:off x="326571" y="3980821"/>
+            <a:ext cx="457200" cy="369332"/>
+          </a:xfrm>
+          <a:prstGeom prst="rect">
+            <a:avLst/>
+          </a:prstGeom>
+          <a:noFill/>
+        </p:spPr>
+        <p:txBody>
+          <a:bodyPr wrap="square" rtlCol="0">
+            <a:spAutoFit/>
+          </a:bodyPr>
+          <a:lstStyle/>
+          <a:p>
+            <a:r>
+              <a:rPr lang="en-US" dirty="0"/>
+              <a:t>C.</a:t>
+            </a:r>
+          </a:p>
+        </p:txBody>
+      </p:sp>
+      <p:sp>
+        <p:nvSpPr>
+          <p:cNvPr id="27" name="TextBox 26">
+            <a:extLst>
+              <a:ext uri="{FF2B5EF4-FFF2-40B4-BE49-F238E27FC236}">
+                <a16:creationId xmlns:a16="http://schemas.microsoft.com/office/drawing/2014/main" id="{8287647F-E65A-9427-3135-D9F7CA89FBE9}"/>
+              </a:ext>
+            </a:extLst>
+          </p:cNvPr>
+          <p:cNvSpPr txBox="1"/>
+          <p:nvPr/>
+        </p:nvSpPr>
+        <p:spPr>
+          <a:xfrm>
+            <a:off x="5703324" y="3980821"/>
+            <a:ext cx="457200" cy="369332"/>
+          </a:xfrm>
+          <a:prstGeom prst="rect">
+            <a:avLst/>
+          </a:prstGeom>
+          <a:noFill/>
+        </p:spPr>
+        <p:txBody>
+          <a:bodyPr wrap="square" rtlCol="0">
+            <a:spAutoFit/>
+          </a:bodyPr>
+          <a:lstStyle/>
+          <a:p>
+            <a:r>
+              <a:rPr lang="en-US" dirty="0"/>
+              <a:t>D.</a:t>
+            </a:r>
+          </a:p>
+        </p:txBody>
+      </p:sp>
+    </p:spTree>
+    <p:extLst>
+      <p:ext uri="{BB962C8B-B14F-4D97-AF65-F5344CB8AC3E}">
+        <p14:creationId xmlns:p14="http://schemas.microsoft.com/office/powerpoint/2010/main" val="2852257433"/>
+      </p:ext>
+    </p:extLst>
+  </p:cSld>
+  <p:clrMapOvr>
+    <a:masterClrMapping/>
+  </p:clrMapOvr>
+</p:sld>
+</file>
+
+<file path=ppt/slides/slide15.xml><?xml version="1.0" encoding="utf-8"?>
+<p:sld xmlns:a="http://schemas.openxmlformats.org/drawingml/2006/main" xmlns:r="http://schemas.openxmlformats.org/officeDocument/2006/relationships" xmlns:p="http://schemas.openxmlformats.org/presentationml/2006/main">
+  <p:cSld>
+    <p:spTree>
+      <p:nvGrpSpPr>
+        <p:cNvPr id="1" name=""/>
+        <p:cNvGrpSpPr/>
+        <p:nvPr/>
+      </p:nvGrpSpPr>
+      <p:grpSpPr>
+        <a:xfrm>
+          <a:off x="0" y="0"/>
+          <a:ext cx="0" cy="0"/>
+          <a:chOff x="0" y="0"/>
+          <a:chExt cx="0" cy="0"/>
+        </a:xfrm>
+      </p:grpSpPr>
+      <p:sp>
+        <p:nvSpPr>
+          <p:cNvPr id="2" name="Title 1">
+            <a:extLst>
+              <a:ext uri="{FF2B5EF4-FFF2-40B4-BE49-F238E27FC236}">
+                <a16:creationId xmlns:a16="http://schemas.microsoft.com/office/drawing/2014/main" id="{C6489855-7A49-12F1-3AEF-B0703867307A}"/>
+              </a:ext>
+            </a:extLst>
+          </p:cNvPr>
+          <p:cNvSpPr>
+            <a:spLocks noGrp="1"/>
+          </p:cNvSpPr>
+          <p:nvPr>
+            <p:ph type="title"/>
+          </p:nvPr>
+        </p:nvSpPr>
+        <p:spPr/>
+        <p:txBody>
+          <a:bodyPr/>
+          <a:lstStyle/>
+          <a:p>
+            <a:r>
+              <a:rPr lang="en-US" dirty="0"/>
+              <a:t>Table 7: Test-Retest ICC</a:t>
+            </a:r>
+          </a:p>
+        </p:txBody>
+      </p:sp>
+      <p:pic>
+        <p:nvPicPr>
+          <p:cNvPr id="5" name="Content Placeholder 4">
+            <a:extLst>
+              <a:ext uri="{FF2B5EF4-FFF2-40B4-BE49-F238E27FC236}">
+                <a16:creationId xmlns:a16="http://schemas.microsoft.com/office/drawing/2014/main" id="{4A316E71-F06C-774D-531B-A66C3B8F0350}"/>
+              </a:ext>
+            </a:extLst>
+          </p:cNvPr>
+          <p:cNvPicPr>
+            <a:picLocks noGrp="1" noChangeAspect="1"/>
+          </p:cNvPicPr>
+          <p:nvPr>
+            <p:ph idx="1"/>
+          </p:nvPr>
+        </p:nvPicPr>
+        <p:blipFill rotWithShape="1">
+          <a:blip r:embed="rId2"/>
+          <a:srcRect l="33828" t="6992" r="33894" b="69537"/>
+          <a:stretch/>
+        </p:blipFill>
+        <p:spPr>
+          <a:xfrm>
+            <a:off x="2932771" y="2141035"/>
+            <a:ext cx="5934012" cy="3334215"/>
+          </a:xfrm>
+        </p:spPr>
+      </p:pic>
+    </p:spTree>
+    <p:extLst>
+      <p:ext uri="{BB962C8B-B14F-4D97-AF65-F5344CB8AC3E}">
+        <p14:creationId xmlns:p14="http://schemas.microsoft.com/office/powerpoint/2010/main" val="2399971296"/>
+      </p:ext>
+    </p:extLst>
+  </p:cSld>
+  <p:clrMapOvr>
+    <a:masterClrMapping/>
+  </p:clrMapOvr>
+</p:sld>
+</file>
+
+<file path=ppt/slides/slide16.xml><?xml version="1.0" encoding="utf-8"?>
+<p:sld xmlns:a="http://schemas.openxmlformats.org/drawingml/2006/main" xmlns:r="http://schemas.openxmlformats.org/officeDocument/2006/relationships" xmlns:p="http://schemas.openxmlformats.org/presentationml/2006/main">
+  <p:cSld>
+    <p:spTree>
+      <p:nvGrpSpPr>
+        <p:cNvPr id="1" name=""/>
+        <p:cNvGrpSpPr/>
+        <p:nvPr/>
+      </p:nvGrpSpPr>
+      <p:grpSpPr>
+        <a:xfrm>
+          <a:off x="0" y="0"/>
+          <a:ext cx="0" cy="0"/>
+          <a:chOff x="0" y="0"/>
+          <a:chExt cx="0" cy="0"/>
+        </a:xfrm>
+      </p:grpSpPr>
+      <p:pic>
+        <p:nvPicPr>
+          <p:cNvPr id="5" name="Picture 4">
+            <a:extLst>
+              <a:ext uri="{FF2B5EF4-FFF2-40B4-BE49-F238E27FC236}">
+                <a16:creationId xmlns:a16="http://schemas.microsoft.com/office/drawing/2014/main" id="{F6D0B1DB-1093-F0F2-1D47-D949A9CA84FE}"/>
+              </a:ext>
+            </a:extLst>
+          </p:cNvPr>
+          <p:cNvPicPr>
+            <a:picLocks noChangeAspect="1"/>
+          </p:cNvPicPr>
+          <p:nvPr/>
+        </p:nvPicPr>
+        <p:blipFill>
+          <a:blip r:embed="rId2"/>
+          <a:stretch>
+            <a:fillRect/>
+          </a:stretch>
+        </p:blipFill>
+        <p:spPr>
+          <a:xfrm>
+            <a:off x="7910515" y="2286000"/>
+            <a:ext cx="4086225" cy="2514600"/>
+          </a:xfrm>
+          <a:prstGeom prst="rect">
+            <a:avLst/>
+          </a:prstGeom>
+        </p:spPr>
+      </p:pic>
+      <p:sp>
+        <p:nvSpPr>
+          <p:cNvPr id="2" name="Title 1">
+            <a:extLst>
+              <a:ext uri="{FF2B5EF4-FFF2-40B4-BE49-F238E27FC236}">
+                <a16:creationId xmlns:a16="http://schemas.microsoft.com/office/drawing/2014/main" id="{739BFECB-81E2-BA2F-1412-A32462F076F4}"/>
+              </a:ext>
+            </a:extLst>
+          </p:cNvPr>
+          <p:cNvSpPr>
+            <a:spLocks noGrp="1"/>
+          </p:cNvSpPr>
+          <p:nvPr>
+            <p:ph type="title"/>
+          </p:nvPr>
+        </p:nvSpPr>
+        <p:spPr/>
+        <p:txBody>
+          <a:bodyPr/>
+          <a:lstStyle/>
+          <a:p>
+            <a:r>
+              <a:rPr lang="en-US" dirty="0"/>
+              <a:t>Figure 3: MET</a:t>
+            </a:r>
+          </a:p>
+        </p:txBody>
+      </p:sp>
+      <p:pic>
+        <p:nvPicPr>
+          <p:cNvPr id="4" name="Content Placeholder 18">
+            <a:extLst>
+              <a:ext uri="{FF2B5EF4-FFF2-40B4-BE49-F238E27FC236}">
+                <a16:creationId xmlns:a16="http://schemas.microsoft.com/office/drawing/2014/main" id="{947EDACD-4E36-59E6-4DA4-A3007300FF0D}"/>
+              </a:ext>
+            </a:extLst>
+          </p:cNvPr>
+          <p:cNvPicPr>
+            <a:picLocks noGrp="1" noChangeAspect="1"/>
+          </p:cNvPicPr>
+          <p:nvPr>
+            <p:ph idx="1"/>
+          </p:nvPr>
+        </p:nvPicPr>
+        <p:blipFill>
+          <a:blip r:embed="rId3"/>
+          <a:stretch>
+            <a:fillRect/>
+          </a:stretch>
+        </p:blipFill>
+        <p:spPr>
+          <a:xfrm>
+            <a:off x="4052890" y="2286000"/>
+            <a:ext cx="4086225" cy="2514600"/>
+          </a:xfrm>
+        </p:spPr>
+      </p:pic>
+      <p:pic>
+        <p:nvPicPr>
+          <p:cNvPr id="6" name="Picture 5">
+            <a:extLst>
+              <a:ext uri="{FF2B5EF4-FFF2-40B4-BE49-F238E27FC236}">
+                <a16:creationId xmlns:a16="http://schemas.microsoft.com/office/drawing/2014/main" id="{A24C0FB1-DD92-4DE2-D369-C19F24A82C00}"/>
+              </a:ext>
+            </a:extLst>
+          </p:cNvPr>
+          <p:cNvPicPr>
+            <a:picLocks noChangeAspect="1"/>
+          </p:cNvPicPr>
+          <p:nvPr/>
+        </p:nvPicPr>
+        <p:blipFill>
+          <a:blip r:embed="rId4"/>
+          <a:stretch>
+            <a:fillRect/>
+          </a:stretch>
+        </p:blipFill>
+        <p:spPr>
+          <a:xfrm>
+            <a:off x="195265" y="2286000"/>
+            <a:ext cx="4086225" cy="2514600"/>
+          </a:xfrm>
+          <a:prstGeom prst="rect">
+            <a:avLst/>
+          </a:prstGeom>
+        </p:spPr>
+      </p:pic>
+      <p:sp>
+        <p:nvSpPr>
+          <p:cNvPr id="7" name="TextBox 6">
+            <a:extLst>
+              <a:ext uri="{FF2B5EF4-FFF2-40B4-BE49-F238E27FC236}">
+                <a16:creationId xmlns:a16="http://schemas.microsoft.com/office/drawing/2014/main" id="{922976AE-9637-5AFB-57BD-0ACD015A807A}"/>
+              </a:ext>
+            </a:extLst>
+          </p:cNvPr>
+          <p:cNvSpPr txBox="1"/>
+          <p:nvPr/>
+        </p:nvSpPr>
+        <p:spPr>
+          <a:xfrm>
+            <a:off x="97971" y="1916668"/>
+            <a:ext cx="457200" cy="369332"/>
+          </a:xfrm>
+          <a:prstGeom prst="rect">
+            <a:avLst/>
+          </a:prstGeom>
+          <a:noFill/>
+        </p:spPr>
+        <p:txBody>
+          <a:bodyPr wrap="square" rtlCol="0">
+            <a:spAutoFit/>
+          </a:bodyPr>
+          <a:lstStyle/>
+          <a:p>
+            <a:r>
+              <a:rPr lang="en-US" dirty="0"/>
+              <a:t>A.</a:t>
+            </a:r>
+          </a:p>
+        </p:txBody>
+      </p:sp>
+      <p:sp>
+        <p:nvSpPr>
+          <p:cNvPr id="8" name="TextBox 7">
+            <a:extLst>
+              <a:ext uri="{FF2B5EF4-FFF2-40B4-BE49-F238E27FC236}">
+                <a16:creationId xmlns:a16="http://schemas.microsoft.com/office/drawing/2014/main" id="{19B32EFD-C951-1C66-F7E6-E5EE914EDD73}"/>
+              </a:ext>
+            </a:extLst>
+          </p:cNvPr>
+          <p:cNvSpPr txBox="1"/>
+          <p:nvPr/>
+        </p:nvSpPr>
+        <p:spPr>
+          <a:xfrm>
+            <a:off x="3955596" y="1917450"/>
+            <a:ext cx="457200" cy="369332"/>
+          </a:xfrm>
+          <a:prstGeom prst="rect">
+            <a:avLst/>
+          </a:prstGeom>
+          <a:noFill/>
+        </p:spPr>
+        <p:txBody>
+          <a:bodyPr wrap="square" rtlCol="0">
+            <a:spAutoFit/>
+          </a:bodyPr>
+          <a:lstStyle/>
+          <a:p>
+            <a:r>
+              <a:rPr lang="en-US" dirty="0"/>
+              <a:t>B.</a:t>
+            </a:r>
+          </a:p>
+        </p:txBody>
+      </p:sp>
+      <p:sp>
+        <p:nvSpPr>
+          <p:cNvPr id="9" name="TextBox 8">
+            <a:extLst>
+              <a:ext uri="{FF2B5EF4-FFF2-40B4-BE49-F238E27FC236}">
+                <a16:creationId xmlns:a16="http://schemas.microsoft.com/office/drawing/2014/main" id="{68E6228E-6518-AFCA-83B0-9EA788ADF873}"/>
+              </a:ext>
+            </a:extLst>
+          </p:cNvPr>
+          <p:cNvSpPr txBox="1"/>
+          <p:nvPr/>
+        </p:nvSpPr>
+        <p:spPr>
+          <a:xfrm>
+            <a:off x="7910515" y="1916668"/>
+            <a:ext cx="457200" cy="369332"/>
+          </a:xfrm>
+          <a:prstGeom prst="rect">
+            <a:avLst/>
+          </a:prstGeom>
+          <a:noFill/>
+        </p:spPr>
+        <p:txBody>
+          <a:bodyPr wrap="square" rtlCol="0">
+            <a:spAutoFit/>
+          </a:bodyPr>
+          <a:lstStyle/>
+          <a:p>
+            <a:r>
+              <a:rPr lang="en-US" dirty="0"/>
+              <a:t>C.</a:t>
+            </a:r>
+          </a:p>
+        </p:txBody>
+      </p:sp>
+    </p:spTree>
+    <p:extLst>
+      <p:ext uri="{BB962C8B-B14F-4D97-AF65-F5344CB8AC3E}">
+        <p14:creationId xmlns:p14="http://schemas.microsoft.com/office/powerpoint/2010/main" val="2977731773"/>
+      </p:ext>
+    </p:extLst>
+  </p:cSld>
+  <p:clrMapOvr>
+    <a:masterClrMapping/>
+  </p:clrMapOvr>
+</p:sld>
+</file>
+
+<file path=ppt/slides/slide17.xml><?xml version="1.0" encoding="utf-8"?>
+<p:sld xmlns:a="http://schemas.openxmlformats.org/drawingml/2006/main" xmlns:r="http://schemas.openxmlformats.org/officeDocument/2006/relationships" xmlns:p="http://schemas.openxmlformats.org/presentationml/2006/main">
+  <p:cSld>
+    <p:spTree>
+      <p:nvGrpSpPr>
+        <p:cNvPr id="1" name=""/>
+        <p:cNvGrpSpPr/>
+        <p:nvPr/>
+      </p:nvGrpSpPr>
+      <p:grpSpPr>
+        <a:xfrm>
+          <a:off x="0" y="0"/>
+          <a:ext cx="0" cy="0"/>
+          <a:chOff x="0" y="0"/>
+          <a:chExt cx="0" cy="0"/>
+        </a:xfrm>
+      </p:grpSpPr>
+      <p:sp>
+        <p:nvSpPr>
+          <p:cNvPr id="2" name="Title 1">
+            <a:extLst>
+              <a:ext uri="{FF2B5EF4-FFF2-40B4-BE49-F238E27FC236}">
+                <a16:creationId xmlns:a16="http://schemas.microsoft.com/office/drawing/2014/main" id="{7BAB3008-F4AC-ECB4-13E1-42DC67F6D8B7}"/>
+              </a:ext>
+            </a:extLst>
+          </p:cNvPr>
+          <p:cNvSpPr>
+            <a:spLocks noGrp="1"/>
+          </p:cNvSpPr>
+          <p:nvPr>
+            <p:ph type="title"/>
+          </p:nvPr>
+        </p:nvSpPr>
+        <p:spPr/>
+        <p:txBody>
+          <a:bodyPr/>
+          <a:lstStyle/>
+          <a:p>
+            <a:r>
+              <a:rPr lang="en-US" dirty="0"/>
+              <a:t>Figure 4: HUMS</a:t>
+            </a:r>
+          </a:p>
+        </p:txBody>
+      </p:sp>
+      <p:pic>
+        <p:nvPicPr>
+          <p:cNvPr id="4" name="Picture 3">
+            <a:extLst>
+              <a:ext uri="{FF2B5EF4-FFF2-40B4-BE49-F238E27FC236}">
+                <a16:creationId xmlns:a16="http://schemas.microsoft.com/office/drawing/2014/main" id="{DDD2140E-4785-595E-49D5-9F70E273B9D0}"/>
+              </a:ext>
+            </a:extLst>
+          </p:cNvPr>
+          <p:cNvPicPr>
+            <a:picLocks noChangeAspect="1"/>
+          </p:cNvPicPr>
+          <p:nvPr/>
+        </p:nvPicPr>
+        <p:blipFill>
+          <a:blip r:embed="rId2"/>
+          <a:stretch>
+            <a:fillRect/>
+          </a:stretch>
+        </p:blipFill>
+        <p:spPr>
+          <a:xfrm>
+            <a:off x="1213275" y="2166302"/>
+            <a:ext cx="4769191" cy="2934886"/>
+          </a:xfrm>
+          <a:prstGeom prst="rect">
+            <a:avLst/>
+          </a:prstGeom>
+        </p:spPr>
+      </p:pic>
+      <p:pic>
+        <p:nvPicPr>
+          <p:cNvPr id="5" name="Picture 4">
+            <a:extLst>
+              <a:ext uri="{FF2B5EF4-FFF2-40B4-BE49-F238E27FC236}">
+                <a16:creationId xmlns:a16="http://schemas.microsoft.com/office/drawing/2014/main" id="{2C5C2E82-7B3D-682E-F22A-15F579F5214F}"/>
+              </a:ext>
+            </a:extLst>
+          </p:cNvPr>
+          <p:cNvPicPr>
+            <a:picLocks noChangeAspect="1"/>
+          </p:cNvPicPr>
+          <p:nvPr/>
+        </p:nvPicPr>
+        <p:blipFill>
+          <a:blip r:embed="rId3"/>
+          <a:stretch>
+            <a:fillRect/>
+          </a:stretch>
+        </p:blipFill>
+        <p:spPr>
+          <a:xfrm>
+            <a:off x="6209534" y="2166302"/>
+            <a:ext cx="4769191" cy="2934887"/>
+          </a:xfrm>
+          <a:prstGeom prst="rect">
+            <a:avLst/>
+          </a:prstGeom>
+        </p:spPr>
+      </p:pic>
+      <p:sp>
+        <p:nvSpPr>
+          <p:cNvPr id="6" name="TextBox 5">
+            <a:extLst>
+              <a:ext uri="{FF2B5EF4-FFF2-40B4-BE49-F238E27FC236}">
+                <a16:creationId xmlns:a16="http://schemas.microsoft.com/office/drawing/2014/main" id="{9B353AA5-5902-988B-9741-D2966D2558F8}"/>
+              </a:ext>
+            </a:extLst>
+          </p:cNvPr>
+          <p:cNvSpPr txBox="1"/>
+          <p:nvPr/>
+        </p:nvSpPr>
+        <p:spPr>
+          <a:xfrm>
+            <a:off x="1213275" y="1796970"/>
+            <a:ext cx="457200" cy="369332"/>
+          </a:xfrm>
+          <a:prstGeom prst="rect">
+            <a:avLst/>
+          </a:prstGeom>
+          <a:noFill/>
+        </p:spPr>
+        <p:txBody>
+          <a:bodyPr wrap="square" rtlCol="0">
+            <a:spAutoFit/>
+          </a:bodyPr>
+          <a:lstStyle/>
+          <a:p>
+            <a:r>
+              <a:rPr lang="en-US" dirty="0"/>
+              <a:t>A.</a:t>
+            </a:r>
+          </a:p>
+        </p:txBody>
+      </p:sp>
+      <p:sp>
+        <p:nvSpPr>
+          <p:cNvPr id="7" name="TextBox 6">
+            <a:extLst>
+              <a:ext uri="{FF2B5EF4-FFF2-40B4-BE49-F238E27FC236}">
+                <a16:creationId xmlns:a16="http://schemas.microsoft.com/office/drawing/2014/main" id="{7C1E103C-44FC-6734-1E9A-8E0E887F344B}"/>
+              </a:ext>
+            </a:extLst>
+          </p:cNvPr>
+          <p:cNvSpPr txBox="1"/>
+          <p:nvPr/>
+        </p:nvSpPr>
+        <p:spPr>
+          <a:xfrm>
+            <a:off x="5982466" y="1796970"/>
+            <a:ext cx="457200" cy="369332"/>
+          </a:xfrm>
+          <a:prstGeom prst="rect">
+            <a:avLst/>
+          </a:prstGeom>
+          <a:noFill/>
+        </p:spPr>
+        <p:txBody>
+          <a:bodyPr wrap="square" rtlCol="0">
+            <a:spAutoFit/>
+          </a:bodyPr>
+          <a:lstStyle/>
+          <a:p>
+            <a:r>
+              <a:rPr lang="en-US" dirty="0"/>
+              <a:t>B.</a:t>
+            </a:r>
+          </a:p>
+        </p:txBody>
+      </p:sp>
+    </p:spTree>
+    <p:extLst>
+      <p:ext uri="{BB962C8B-B14F-4D97-AF65-F5344CB8AC3E}">
+        <p14:creationId xmlns:p14="http://schemas.microsoft.com/office/powerpoint/2010/main" val="38992552"/>
+      </p:ext>
+    </p:extLst>
+  </p:cSld>
+  <p:clrMapOvr>
+    <a:masterClrMapping/>
+  </p:clrMapOvr>
+</p:sld>
+</file>
+
+<file path=ppt/slides/slide18.xml><?xml version="1.0" encoding="utf-8"?>
+<p:sld xmlns:a="http://schemas.openxmlformats.org/drawingml/2006/main" xmlns:r="http://schemas.openxmlformats.org/officeDocument/2006/relationships" xmlns:p="http://schemas.openxmlformats.org/presentationml/2006/main">
+  <p:cSld>
+    <p:spTree>
+      <p:nvGrpSpPr>
+        <p:cNvPr id="1" name=""/>
+        <p:cNvGrpSpPr/>
+        <p:nvPr/>
+      </p:nvGrpSpPr>
+      <p:grpSpPr>
+        <a:xfrm>
+          <a:off x="0" y="0"/>
+          <a:ext cx="0" cy="0"/>
+          <a:chOff x="0" y="0"/>
+          <a:chExt cx="0" cy="0"/>
+        </a:xfrm>
+      </p:grpSpPr>
+      <p:pic>
+        <p:nvPicPr>
+          <p:cNvPr id="10" name="Picture 9">
+            <a:extLst>
+              <a:ext uri="{FF2B5EF4-FFF2-40B4-BE49-F238E27FC236}">
+                <a16:creationId xmlns:a16="http://schemas.microsoft.com/office/drawing/2014/main" id="{D43F005F-4AB7-EC43-E325-963E9FD4065A}"/>
+              </a:ext>
+            </a:extLst>
+          </p:cNvPr>
+          <p:cNvPicPr>
+            <a:picLocks noChangeAspect="1"/>
+          </p:cNvPicPr>
+          <p:nvPr/>
+        </p:nvPicPr>
+        <p:blipFill>
+          <a:blip r:embed="rId2"/>
+          <a:stretch>
+            <a:fillRect/>
+          </a:stretch>
+        </p:blipFill>
+        <p:spPr>
+          <a:xfrm>
+            <a:off x="7818321" y="2268045"/>
+            <a:ext cx="4086225" cy="2514600"/>
+          </a:xfrm>
+          <a:prstGeom prst="rect">
+            <a:avLst/>
+          </a:prstGeom>
+        </p:spPr>
+      </p:pic>
+      <p:pic>
+        <p:nvPicPr>
+          <p:cNvPr id="6" name="Picture 5">
+            <a:extLst>
+              <a:ext uri="{FF2B5EF4-FFF2-40B4-BE49-F238E27FC236}">
+                <a16:creationId xmlns:a16="http://schemas.microsoft.com/office/drawing/2014/main" id="{2A1ABC46-3B7F-8D72-ED53-9AF4F432F38D}"/>
+              </a:ext>
+            </a:extLst>
+          </p:cNvPr>
+          <p:cNvPicPr>
+            <a:picLocks noChangeAspect="1"/>
+          </p:cNvPicPr>
+          <p:nvPr/>
+        </p:nvPicPr>
+        <p:blipFill>
+          <a:blip r:embed="rId3"/>
+          <a:stretch>
+            <a:fillRect/>
+          </a:stretch>
+        </p:blipFill>
+        <p:spPr>
+          <a:xfrm>
+            <a:off x="3879397" y="2293290"/>
+            <a:ext cx="4086225" cy="2514600"/>
+          </a:xfrm>
+          <a:prstGeom prst="rect">
+            <a:avLst/>
+          </a:prstGeom>
+        </p:spPr>
+      </p:pic>
+      <p:sp>
+        <p:nvSpPr>
+          <p:cNvPr id="2" name="Title 1">
+            <a:extLst>
+              <a:ext uri="{FF2B5EF4-FFF2-40B4-BE49-F238E27FC236}">
+                <a16:creationId xmlns:a16="http://schemas.microsoft.com/office/drawing/2014/main" id="{657A1D7B-AA36-F006-D0C8-B61FDF8FE62B}"/>
+              </a:ext>
+            </a:extLst>
+          </p:cNvPr>
+          <p:cNvSpPr>
+            <a:spLocks noGrp="1"/>
+          </p:cNvSpPr>
+          <p:nvPr>
+            <p:ph type="title"/>
+          </p:nvPr>
+        </p:nvSpPr>
+        <p:spPr/>
+        <p:txBody>
+          <a:bodyPr/>
+          <a:lstStyle/>
+          <a:p>
+            <a:r>
+              <a:rPr lang="en-US" dirty="0"/>
+              <a:t>Figure 5: STAI</a:t>
+            </a:r>
+          </a:p>
+        </p:txBody>
+      </p:sp>
+      <p:pic>
+        <p:nvPicPr>
+          <p:cNvPr id="4" name="Picture 3">
+            <a:extLst>
+              <a:ext uri="{FF2B5EF4-FFF2-40B4-BE49-F238E27FC236}">
+                <a16:creationId xmlns:a16="http://schemas.microsoft.com/office/drawing/2014/main" id="{22A41ADC-CDF7-1199-2D64-BD799E421862}"/>
+              </a:ext>
+            </a:extLst>
+          </p:cNvPr>
+          <p:cNvPicPr>
+            <a:picLocks noChangeAspect="1"/>
+          </p:cNvPicPr>
+          <p:nvPr/>
+        </p:nvPicPr>
+        <p:blipFill>
+          <a:blip r:embed="rId4"/>
+          <a:stretch>
+            <a:fillRect/>
+          </a:stretch>
+        </p:blipFill>
+        <p:spPr>
+          <a:xfrm>
+            <a:off x="0" y="2268045"/>
+            <a:ext cx="4086225" cy="2514600"/>
+          </a:xfrm>
+          <a:prstGeom prst="rect">
+            <a:avLst/>
+          </a:prstGeom>
+        </p:spPr>
+      </p:pic>
+      <p:sp>
+        <p:nvSpPr>
+          <p:cNvPr id="11" name="TextBox 10">
+            <a:extLst>
+              <a:ext uri="{FF2B5EF4-FFF2-40B4-BE49-F238E27FC236}">
+                <a16:creationId xmlns:a16="http://schemas.microsoft.com/office/drawing/2014/main" id="{53A0BBC0-03EE-BAC7-84CF-F8BF11E13C9F}"/>
+              </a:ext>
+            </a:extLst>
+          </p:cNvPr>
+          <p:cNvSpPr txBox="1"/>
+          <p:nvPr/>
+        </p:nvSpPr>
+        <p:spPr>
+          <a:xfrm>
+            <a:off x="33338" y="1917450"/>
+            <a:ext cx="457200" cy="369332"/>
+          </a:xfrm>
+          <a:prstGeom prst="rect">
+            <a:avLst/>
+          </a:prstGeom>
+          <a:noFill/>
+        </p:spPr>
+        <p:txBody>
+          <a:bodyPr wrap="square" rtlCol="0">
+            <a:spAutoFit/>
+          </a:bodyPr>
+          <a:lstStyle/>
+          <a:p>
+            <a:r>
+              <a:rPr lang="en-US" dirty="0"/>
+              <a:t>A.</a:t>
+            </a:r>
+          </a:p>
+        </p:txBody>
+      </p:sp>
+      <p:sp>
+        <p:nvSpPr>
+          <p:cNvPr id="12" name="TextBox 11">
+            <a:extLst>
+              <a:ext uri="{FF2B5EF4-FFF2-40B4-BE49-F238E27FC236}">
+                <a16:creationId xmlns:a16="http://schemas.microsoft.com/office/drawing/2014/main" id="{A89327C6-EC01-C50D-6132-7804373B9C0B}"/>
+              </a:ext>
+            </a:extLst>
+          </p:cNvPr>
+          <p:cNvSpPr txBox="1"/>
+          <p:nvPr/>
+        </p:nvSpPr>
+        <p:spPr>
+          <a:xfrm>
+            <a:off x="3876845" y="1923958"/>
+            <a:ext cx="457200" cy="369332"/>
+          </a:xfrm>
+          <a:prstGeom prst="rect">
+            <a:avLst/>
+          </a:prstGeom>
+          <a:noFill/>
+        </p:spPr>
+        <p:txBody>
+          <a:bodyPr wrap="square" rtlCol="0">
+            <a:spAutoFit/>
+          </a:bodyPr>
+          <a:lstStyle/>
+          <a:p>
+            <a:r>
+              <a:rPr lang="en-US" dirty="0"/>
+              <a:t>B.</a:t>
+            </a:r>
+          </a:p>
+        </p:txBody>
+      </p:sp>
+      <p:sp>
+        <p:nvSpPr>
+          <p:cNvPr id="13" name="TextBox 12">
+            <a:extLst>
+              <a:ext uri="{FF2B5EF4-FFF2-40B4-BE49-F238E27FC236}">
+                <a16:creationId xmlns:a16="http://schemas.microsoft.com/office/drawing/2014/main" id="{055FB0EE-4CA7-A9C5-E4D3-505AF8CAD6D7}"/>
+              </a:ext>
+            </a:extLst>
+          </p:cNvPr>
+          <p:cNvSpPr txBox="1"/>
+          <p:nvPr/>
+        </p:nvSpPr>
+        <p:spPr>
+          <a:xfrm>
+            <a:off x="7720352" y="1925522"/>
+            <a:ext cx="457200" cy="369332"/>
+          </a:xfrm>
+          <a:prstGeom prst="rect">
+            <a:avLst/>
+          </a:prstGeom>
+          <a:noFill/>
+        </p:spPr>
+        <p:txBody>
+          <a:bodyPr wrap="square" rtlCol="0">
+            <a:spAutoFit/>
+          </a:bodyPr>
+          <a:lstStyle/>
+          <a:p>
+            <a:r>
+              <a:rPr lang="en-US" dirty="0"/>
+              <a:t>C.</a:t>
+            </a:r>
+          </a:p>
+        </p:txBody>
+      </p:sp>
+    </p:spTree>
+    <p:extLst>
+      <p:ext uri="{BB962C8B-B14F-4D97-AF65-F5344CB8AC3E}">
+        <p14:creationId xmlns:p14="http://schemas.microsoft.com/office/powerpoint/2010/main" val="647078640"/>
+      </p:ext>
+    </p:extLst>
+  </p:cSld>
+  <p:clrMapOvr>
+    <a:masterClrMapping/>
+  </p:clrMapOvr>
+</p:sld>
+</file>
+
+<file path=ppt/slides/slide19.xml><?xml version="1.0" encoding="utf-8"?>
+<p:sld xmlns:a="http://schemas.openxmlformats.org/drawingml/2006/main" xmlns:r="http://schemas.openxmlformats.org/officeDocument/2006/relationships" xmlns:p="http://schemas.openxmlformats.org/presentationml/2006/main">
+  <p:cSld>
+    <p:spTree>
+      <p:nvGrpSpPr>
+        <p:cNvPr id="1" name=""/>
+        <p:cNvGrpSpPr/>
+        <p:nvPr/>
+      </p:nvGrpSpPr>
+      <p:grpSpPr>
+        <a:xfrm>
+          <a:off x="0" y="0"/>
+          <a:ext cx="0" cy="0"/>
+          <a:chOff x="0" y="0"/>
+          <a:chExt cx="0" cy="0"/>
+        </a:xfrm>
+      </p:grpSpPr>
+      <p:pic>
+        <p:nvPicPr>
+          <p:cNvPr id="13" name="Picture 12">
+            <a:extLst>
+              <a:ext uri="{FF2B5EF4-FFF2-40B4-BE49-F238E27FC236}">
+                <a16:creationId xmlns:a16="http://schemas.microsoft.com/office/drawing/2014/main" id="{41B57EA6-B15B-7BF0-F07E-0DCD5F1440F5}"/>
+              </a:ext>
+            </a:extLst>
+          </p:cNvPr>
+          <p:cNvPicPr>
+            <a:picLocks noChangeAspect="1"/>
+          </p:cNvPicPr>
+          <p:nvPr/>
+        </p:nvPicPr>
+        <p:blipFill>
+          <a:blip r:embed="rId2"/>
+          <a:stretch>
+            <a:fillRect/>
+          </a:stretch>
+        </p:blipFill>
+        <p:spPr>
+          <a:xfrm>
+            <a:off x="5936288" y="4292374"/>
+            <a:ext cx="4086225" cy="2514600"/>
+          </a:xfrm>
+          <a:prstGeom prst="rect">
+            <a:avLst/>
+          </a:prstGeom>
+        </p:spPr>
+      </p:pic>
+      <p:pic>
+        <p:nvPicPr>
+          <p:cNvPr id="9" name="Picture 8">
+            <a:extLst>
+              <a:ext uri="{FF2B5EF4-FFF2-40B4-BE49-F238E27FC236}">
+                <a16:creationId xmlns:a16="http://schemas.microsoft.com/office/drawing/2014/main" id="{0A34DEEB-636B-C2A3-0779-870202DB567E}"/>
+              </a:ext>
+            </a:extLst>
+          </p:cNvPr>
+          <p:cNvPicPr>
+            <a:picLocks noChangeAspect="1"/>
+          </p:cNvPicPr>
+          <p:nvPr/>
+        </p:nvPicPr>
+        <p:blipFill>
+          <a:blip r:embed="rId3"/>
+          <a:stretch>
+            <a:fillRect/>
+          </a:stretch>
+        </p:blipFill>
+        <p:spPr>
+          <a:xfrm>
+            <a:off x="7972769" y="1568634"/>
+            <a:ext cx="4086225" cy="2514600"/>
+          </a:xfrm>
+          <a:prstGeom prst="rect">
+            <a:avLst/>
+          </a:prstGeom>
+        </p:spPr>
+      </p:pic>
+      <p:pic>
+        <p:nvPicPr>
+          <p:cNvPr id="7" name="Picture 6">
+            <a:extLst>
+              <a:ext uri="{FF2B5EF4-FFF2-40B4-BE49-F238E27FC236}">
+                <a16:creationId xmlns:a16="http://schemas.microsoft.com/office/drawing/2014/main" id="{5E032269-3070-6D29-C030-370869907E93}"/>
+              </a:ext>
+            </a:extLst>
+          </p:cNvPr>
+          <p:cNvPicPr>
+            <a:picLocks noChangeAspect="1"/>
+          </p:cNvPicPr>
+          <p:nvPr/>
+        </p:nvPicPr>
+        <p:blipFill>
+          <a:blip r:embed="rId4"/>
+          <a:stretch>
+            <a:fillRect/>
+          </a:stretch>
+        </p:blipFill>
+        <p:spPr>
+          <a:xfrm>
+            <a:off x="4073980" y="1568634"/>
+            <a:ext cx="4086225" cy="2514600"/>
+          </a:xfrm>
+          <a:prstGeom prst="rect">
+            <a:avLst/>
+          </a:prstGeom>
+        </p:spPr>
+      </p:pic>
+      <p:sp>
+        <p:nvSpPr>
+          <p:cNvPr id="2" name="Title 1">
+            <a:extLst>
+              <a:ext uri="{FF2B5EF4-FFF2-40B4-BE49-F238E27FC236}">
+                <a16:creationId xmlns:a16="http://schemas.microsoft.com/office/drawing/2014/main" id="{FE336A1F-D67C-6027-6707-FE1B4643A3D6}"/>
+              </a:ext>
+            </a:extLst>
+          </p:cNvPr>
+          <p:cNvSpPr>
+            <a:spLocks noGrp="1"/>
+          </p:cNvSpPr>
+          <p:nvPr>
+            <p:ph type="title"/>
+          </p:nvPr>
+        </p:nvSpPr>
+        <p:spPr>
+          <a:xfrm>
+            <a:off x="175191" y="-179161"/>
+            <a:ext cx="10515600" cy="1325563"/>
+          </a:xfrm>
+        </p:spPr>
+        <p:txBody>
+          <a:bodyPr/>
+          <a:lstStyle/>
+          <a:p>
+            <a:r>
+              <a:rPr lang="en-US" dirty="0"/>
+              <a:t>Figure 6: CD-RISC</a:t>
+            </a:r>
+          </a:p>
+        </p:txBody>
+      </p:sp>
+      <p:pic>
+        <p:nvPicPr>
+          <p:cNvPr id="5" name="Content Placeholder 4">
+            <a:extLst>
+              <a:ext uri="{FF2B5EF4-FFF2-40B4-BE49-F238E27FC236}">
+                <a16:creationId xmlns:a16="http://schemas.microsoft.com/office/drawing/2014/main" id="{D57954F4-7C6B-80F2-AE9D-A46406E4CE75}"/>
+              </a:ext>
+            </a:extLst>
+          </p:cNvPr>
+          <p:cNvPicPr>
+            <a:picLocks noGrp="1" noChangeAspect="1"/>
+          </p:cNvPicPr>
+          <p:nvPr>
+            <p:ph idx="1"/>
+          </p:nvPr>
+        </p:nvPicPr>
+        <p:blipFill>
+          <a:blip r:embed="rId5"/>
+          <a:stretch>
+            <a:fillRect/>
+          </a:stretch>
+        </p:blipFill>
+        <p:spPr>
+          <a:xfrm>
+            <a:off x="175191" y="1568634"/>
+            <a:ext cx="4086225" cy="2514600"/>
+          </a:xfrm>
+        </p:spPr>
+      </p:pic>
+      <p:pic>
+        <p:nvPicPr>
+          <p:cNvPr id="11" name="Picture 10">
+            <a:extLst>
+              <a:ext uri="{FF2B5EF4-FFF2-40B4-BE49-F238E27FC236}">
+                <a16:creationId xmlns:a16="http://schemas.microsoft.com/office/drawing/2014/main" id="{6BDBB8A2-449E-55B3-12AA-9CE629B0E303}"/>
+              </a:ext>
+            </a:extLst>
+          </p:cNvPr>
+          <p:cNvPicPr>
+            <a:picLocks noChangeAspect="1"/>
+          </p:cNvPicPr>
+          <p:nvPr/>
+        </p:nvPicPr>
+        <p:blipFill>
+          <a:blip r:embed="rId6"/>
+          <a:stretch>
+            <a:fillRect/>
+          </a:stretch>
+        </p:blipFill>
+        <p:spPr>
+          <a:xfrm>
+            <a:off x="2030867" y="4292374"/>
+            <a:ext cx="4086225" cy="2514600"/>
+          </a:xfrm>
+          <a:prstGeom prst="rect">
+            <a:avLst/>
+          </a:prstGeom>
+        </p:spPr>
+      </p:pic>
+      <p:sp>
+        <p:nvSpPr>
+          <p:cNvPr id="14" name="TextBox 13">
+            <a:extLst>
+              <a:ext uri="{FF2B5EF4-FFF2-40B4-BE49-F238E27FC236}">
+                <a16:creationId xmlns:a16="http://schemas.microsoft.com/office/drawing/2014/main" id="{579FB966-7A71-5FDB-C322-11CB0B94E117}"/>
+              </a:ext>
+            </a:extLst>
+          </p:cNvPr>
+          <p:cNvSpPr txBox="1"/>
+          <p:nvPr/>
+        </p:nvSpPr>
+        <p:spPr>
+          <a:xfrm>
+            <a:off x="133006" y="1299863"/>
+            <a:ext cx="457200" cy="369332"/>
+          </a:xfrm>
+          <a:prstGeom prst="rect">
+            <a:avLst/>
+          </a:prstGeom>
+          <a:noFill/>
+        </p:spPr>
+        <p:txBody>
+          <a:bodyPr wrap="square" rtlCol="0">
+            <a:spAutoFit/>
+          </a:bodyPr>
+          <a:lstStyle/>
+          <a:p>
+            <a:r>
+              <a:rPr lang="en-US" dirty="0"/>
+              <a:t>A.</a:t>
+            </a:r>
+          </a:p>
+        </p:txBody>
+      </p:sp>
+      <p:sp>
+        <p:nvSpPr>
+          <p:cNvPr id="15" name="TextBox 14">
+            <a:extLst>
+              <a:ext uri="{FF2B5EF4-FFF2-40B4-BE49-F238E27FC236}">
+                <a16:creationId xmlns:a16="http://schemas.microsoft.com/office/drawing/2014/main" id="{CDED3C51-A14B-47C4-7C75-DFB5157D5887}"/>
+              </a:ext>
+            </a:extLst>
+          </p:cNvPr>
+          <p:cNvSpPr txBox="1"/>
+          <p:nvPr/>
+        </p:nvSpPr>
+        <p:spPr>
+          <a:xfrm>
+            <a:off x="3970905" y="1299863"/>
+            <a:ext cx="457200" cy="369332"/>
+          </a:xfrm>
+          <a:prstGeom prst="rect">
+            <a:avLst/>
+          </a:prstGeom>
+          <a:noFill/>
+        </p:spPr>
+        <p:txBody>
+          <a:bodyPr wrap="square" rtlCol="0">
+            <a:spAutoFit/>
+          </a:bodyPr>
+          <a:lstStyle/>
+          <a:p>
+            <a:r>
+              <a:rPr lang="en-US" dirty="0"/>
+              <a:t>B.</a:t>
+            </a:r>
+          </a:p>
+        </p:txBody>
+      </p:sp>
+      <p:sp>
+        <p:nvSpPr>
+          <p:cNvPr id="16" name="TextBox 15">
+            <a:extLst>
+              <a:ext uri="{FF2B5EF4-FFF2-40B4-BE49-F238E27FC236}">
+                <a16:creationId xmlns:a16="http://schemas.microsoft.com/office/drawing/2014/main" id="{C6C53671-DEB0-9865-5F6A-ED7860C5643E}"/>
+              </a:ext>
+            </a:extLst>
+          </p:cNvPr>
+          <p:cNvSpPr txBox="1"/>
+          <p:nvPr/>
+        </p:nvSpPr>
+        <p:spPr>
+          <a:xfrm>
+            <a:off x="7931605" y="1299863"/>
+            <a:ext cx="457200" cy="369332"/>
+          </a:xfrm>
+          <a:prstGeom prst="rect">
+            <a:avLst/>
+          </a:prstGeom>
+          <a:noFill/>
+        </p:spPr>
+        <p:txBody>
+          <a:bodyPr wrap="square" rtlCol="0">
+            <a:spAutoFit/>
+          </a:bodyPr>
+          <a:lstStyle/>
+          <a:p>
+            <a:r>
+              <a:rPr lang="en-US" dirty="0"/>
+              <a:t>C.</a:t>
+            </a:r>
+          </a:p>
+        </p:txBody>
+      </p:sp>
+      <p:sp>
+        <p:nvSpPr>
+          <p:cNvPr id="17" name="TextBox 16">
+            <a:extLst>
+              <a:ext uri="{FF2B5EF4-FFF2-40B4-BE49-F238E27FC236}">
+                <a16:creationId xmlns:a16="http://schemas.microsoft.com/office/drawing/2014/main" id="{57E9B968-6C46-EF65-E77B-9A39BC2DB75C}"/>
+              </a:ext>
+            </a:extLst>
+          </p:cNvPr>
+          <p:cNvSpPr txBox="1"/>
+          <p:nvPr/>
+        </p:nvSpPr>
+        <p:spPr>
+          <a:xfrm>
+            <a:off x="1983071" y="4083234"/>
+            <a:ext cx="457200" cy="369332"/>
+          </a:xfrm>
+          <a:prstGeom prst="rect">
+            <a:avLst/>
+          </a:prstGeom>
+          <a:noFill/>
+        </p:spPr>
+        <p:txBody>
+          <a:bodyPr wrap="square" rtlCol="0">
+            <a:spAutoFit/>
+          </a:bodyPr>
+          <a:lstStyle/>
+          <a:p>
+            <a:r>
+              <a:rPr lang="en-US" dirty="0"/>
+              <a:t>D.</a:t>
+            </a:r>
+          </a:p>
+        </p:txBody>
+      </p:sp>
+      <p:sp>
+        <p:nvSpPr>
+          <p:cNvPr id="19" name="TextBox 18">
+            <a:extLst>
+              <a:ext uri="{FF2B5EF4-FFF2-40B4-BE49-F238E27FC236}">
+                <a16:creationId xmlns:a16="http://schemas.microsoft.com/office/drawing/2014/main" id="{FF3017F6-8068-5795-2A34-F695C4ED2C51}"/>
+              </a:ext>
+            </a:extLst>
+          </p:cNvPr>
+          <p:cNvSpPr txBox="1"/>
+          <p:nvPr/>
+        </p:nvSpPr>
+        <p:spPr>
+          <a:xfrm>
+            <a:off x="5853627" y="4083234"/>
+            <a:ext cx="457200" cy="369332"/>
+          </a:xfrm>
+          <a:prstGeom prst="rect">
+            <a:avLst/>
+          </a:prstGeom>
+          <a:noFill/>
+        </p:spPr>
+        <p:txBody>
+          <a:bodyPr wrap="square" rtlCol="0">
+            <a:spAutoFit/>
+          </a:bodyPr>
+          <a:lstStyle/>
+          <a:p>
+            <a:r>
+              <a:rPr lang="en-US" dirty="0"/>
+              <a:t>E.</a:t>
+            </a:r>
+          </a:p>
+        </p:txBody>
+      </p:sp>
+    </p:spTree>
+    <p:extLst>
+      <p:ext uri="{BB962C8B-B14F-4D97-AF65-F5344CB8AC3E}">
+        <p14:creationId xmlns:p14="http://schemas.microsoft.com/office/powerpoint/2010/main" val="2706599768"/>
+      </p:ext>
+    </p:extLst>
+  </p:cSld>
+  <p:clrMapOvr>
+    <a:masterClrMapping/>
+  </p:clrMapOvr>
+</p:sld>
+</file>
+
 <file path=ppt/slides/slide2.xml><?xml version="1.0" encoding="utf-8"?>
 <p:sld xmlns:a="http://schemas.openxmlformats.org/drawingml/2006/main" xmlns:r="http://schemas.openxmlformats.org/officeDocument/2006/relationships" xmlns:p="http://schemas.openxmlformats.org/presentationml/2006/main">
   <p:cSld>
@@ -4585,6 +6449,92 @@
     <p:extLst>
       <p:ext uri="{BB962C8B-B14F-4D97-AF65-F5344CB8AC3E}">
         <p14:creationId xmlns:p14="http://schemas.microsoft.com/office/powerpoint/2010/main" val="3698469086"/>
+      </p:ext>
+    </p:extLst>
+  </p:cSld>
+  <p:clrMapOvr>
+    <a:masterClrMapping/>
+  </p:clrMapOvr>
+</p:sld>
+</file>
+
+<file path=ppt/slides/slide9.xml><?xml version="1.0" encoding="utf-8"?>
+<p:sld xmlns:a="http://schemas.openxmlformats.org/drawingml/2006/main" xmlns:r="http://schemas.openxmlformats.org/officeDocument/2006/relationships" xmlns:p="http://schemas.openxmlformats.org/presentationml/2006/main">
+  <p:cSld>
+    <p:spTree>
+      <p:nvGrpSpPr>
+        <p:cNvPr id="1" name=""/>
+        <p:cNvGrpSpPr/>
+        <p:nvPr/>
+      </p:nvGrpSpPr>
+      <p:grpSpPr>
+        <a:xfrm>
+          <a:off x="0" y="0"/>
+          <a:ext cx="0" cy="0"/>
+          <a:chOff x="0" y="0"/>
+          <a:chExt cx="0" cy="0"/>
+        </a:xfrm>
+      </p:grpSpPr>
+      <p:sp>
+        <p:nvSpPr>
+          <p:cNvPr id="2" name="Title 1">
+            <a:extLst>
+              <a:ext uri="{FF2B5EF4-FFF2-40B4-BE49-F238E27FC236}">
+                <a16:creationId xmlns:a16="http://schemas.microsoft.com/office/drawing/2014/main" id="{4DB2309A-CB1E-1E30-3B97-D60ED24351E7}"/>
+              </a:ext>
+            </a:extLst>
+          </p:cNvPr>
+          <p:cNvSpPr>
+            <a:spLocks noGrp="1"/>
+          </p:cNvSpPr>
+          <p:nvPr>
+            <p:ph type="ctrTitle"/>
+          </p:nvPr>
+        </p:nvSpPr>
+        <p:spPr/>
+        <p:txBody>
+          <a:bodyPr/>
+          <a:lstStyle/>
+          <a:p>
+            <a:r>
+              <a:rPr lang="en-US" dirty="0"/>
+              <a:t>Updated Figures</a:t>
+            </a:r>
+          </a:p>
+        </p:txBody>
+      </p:sp>
+      <p:sp>
+        <p:nvSpPr>
+          <p:cNvPr id="3" name="Subtitle 2">
+            <a:extLst>
+              <a:ext uri="{FF2B5EF4-FFF2-40B4-BE49-F238E27FC236}">
+                <a16:creationId xmlns:a16="http://schemas.microsoft.com/office/drawing/2014/main" id="{E0DDDC0B-626D-583C-A40A-7C5879D5CEB1}"/>
+              </a:ext>
+            </a:extLst>
+          </p:cNvPr>
+          <p:cNvSpPr>
+            <a:spLocks noGrp="1"/>
+          </p:cNvSpPr>
+          <p:nvPr>
+            <p:ph type="subTitle" idx="1"/>
+          </p:nvPr>
+        </p:nvSpPr>
+        <p:spPr/>
+        <p:txBody>
+          <a:bodyPr/>
+          <a:lstStyle/>
+          <a:p>
+            <a:r>
+              <a:rPr lang="en-US" dirty="0"/>
+              <a:t>Since 10/2 Meeting</a:t>
+            </a:r>
+          </a:p>
+        </p:txBody>
+      </p:sp>
+    </p:spTree>
+    <p:extLst>
+      <p:ext uri="{BB962C8B-B14F-4D97-AF65-F5344CB8AC3E}">
+        <p14:creationId xmlns:p14="http://schemas.microsoft.com/office/powerpoint/2010/main" val="3926901888"/>
       </p:ext>
     </p:extLst>
   </p:cSld>
